--- a/ProjectFile/ChinaAfricaTradeRelationship.pptx
+++ b/ProjectFile/ChinaAfricaTradeRelationship.pptx
@@ -109,6 +109,11 @@
       </a:defRPr>
     </a:lvl9pPr>
   </p:defaultTextStyle>
+  <p:extLst>
+    <p:ext uri="{EFAFB233-063F-42B5-8137-9DF3F51BA10A}">
+      <p15:sldGuideLst xmlns:p15="http://schemas.microsoft.com/office/powerpoint/2012/main"/>
+    </p:ext>
+  </p:extLst>
 </p:presentation>
 </file>
 
@@ -3484,6 +3489,14 @@
 <file path=ppt/slides/slide3.xml><?xml version="1.0" encoding="utf-8"?>
 <p:sld xmlns:a="http://schemas.openxmlformats.org/drawingml/2006/main" xmlns:r="http://schemas.openxmlformats.org/officeDocument/2006/relationships" xmlns:p="http://schemas.openxmlformats.org/presentationml/2006/main">
   <p:cSld>
+    <p:bg>
+      <p:bgPr>
+        <a:solidFill>
+          <a:schemeClr val="bg1"/>
+        </a:solidFill>
+        <a:effectLst/>
+      </p:bgPr>
+    </p:bg>
     <p:spTree>
       <p:nvGrpSpPr>
         <p:cNvPr id="1" name=""/>
@@ -3500,6 +3513,100 @@
       </p:grpSpPr>
       <p:sp>
         <p:nvSpPr>
+          <p:cNvPr id="13" name="Rectangle 9">
+            <a:extLst>
+              <a:ext uri="{FF2B5EF4-FFF2-40B4-BE49-F238E27FC236}">
+                <a16:creationId xmlns:a16="http://schemas.microsoft.com/office/drawing/2014/main" id="{823AC064-BC96-4F32-8AE1-B2FD38754823}"/>
+              </a:ext>
+              <a:ext uri="{C183D7F6-B498-43B3-948B-1728B52AA6E4}">
+                <adec:decorative xmlns:adec="http://schemas.microsoft.com/office/drawing/2017/decorative" val="1"/>
+              </a:ext>
+            </a:extLst>
+          </p:cNvPr>
+          <p:cNvSpPr>
+            <a:spLocks noGrp="1" noRot="1" noChangeAspect="1" noMove="1" noResize="1" noEditPoints="1" noAdjustHandles="1" noChangeArrowheads="1" noChangeShapeType="1" noTextEdit="1"/>
+          </p:cNvSpPr>
+          <p:nvPr>
+            <p:extLst>
+              <p:ext uri="{386F3935-93C4-4BCD-93E2-E3B085C9AB24}">
+                <p16:designElem xmlns:p16="http://schemas.microsoft.com/office/powerpoint/2015/main" val="1"/>
+              </p:ext>
+            </p:extLst>
+          </p:nvPr>
+        </p:nvSpPr>
+        <p:spPr bwMode="ltGray">
+          <a:xfrm>
+            <a:off x="378068" y="343486"/>
+            <a:ext cx="11438793" cy="1844256"/>
+          </a:xfrm>
+          <a:prstGeom prst="rect">
+            <a:avLst/>
+          </a:prstGeom>
+          <a:solidFill>
+            <a:srgbClr val="404040"/>
+          </a:solidFill>
+          <a:ln w="127000" cap="sq" cmpd="thinThick">
+            <a:solidFill>
+              <a:srgbClr val="404040"/>
+            </a:solidFill>
+          </a:ln>
+        </p:spPr>
+        <p:style>
+          <a:lnRef idx="2">
+            <a:schemeClr val="accent1">
+              <a:shade val="50000"/>
+            </a:schemeClr>
+          </a:lnRef>
+          <a:fillRef idx="1">
+            <a:schemeClr val="accent1"/>
+          </a:fillRef>
+          <a:effectRef idx="0">
+            <a:schemeClr val="accent1"/>
+          </a:effectRef>
+          <a:fontRef idx="minor">
+            <a:schemeClr val="lt1"/>
+          </a:fontRef>
+        </p:style>
+        <p:txBody>
+          <a:bodyPr rtlCol="0" anchor="ctr"/>
+          <a:lstStyle/>
+          <a:p>
+            <a:pPr marL="0" marR="0" lvl="0" indent="0" algn="ctr" defTabSz="914400" rtl="0" eaLnBrk="1" fontAlgn="auto" latinLnBrk="0" hangingPunct="1">
+              <a:lnSpc>
+                <a:spcPct val="100000"/>
+              </a:lnSpc>
+              <a:spcBef>
+                <a:spcPts val="0"/>
+              </a:spcBef>
+              <a:spcAft>
+                <a:spcPts val="0"/>
+              </a:spcAft>
+              <a:buClrTx/>
+              <a:buSzTx/>
+              <a:buFontTx/>
+              <a:buNone/>
+              <a:tabLst/>
+              <a:defRPr/>
+            </a:pPr>
+            <a:endParaRPr kumimoji="0" lang="en-US" sz="1800" b="0" i="0" u="none" strike="noStrike" kern="1200" cap="none" spc="0" normalizeH="0" baseline="0" noProof="0">
+              <a:ln>
+                <a:noFill/>
+              </a:ln>
+              <a:solidFill>
+                <a:prstClr val="white"/>
+              </a:solidFill>
+              <a:effectLst/>
+              <a:uLnTx/>
+              <a:uFillTx/>
+              <a:latin typeface="Calibri" panose="020F0502020204030204"/>
+              <a:ea typeface="+mn-ea"/>
+              <a:cs typeface="+mn-cs"/>
+            </a:endParaRPr>
+          </a:p>
+        </p:txBody>
+      </p:sp>
+      <p:sp>
+        <p:nvSpPr>
           <p:cNvPr id="2" name="Title 1">
             <a:extLst>
               <a:ext uri="{FF2B5EF4-FFF2-40B4-BE49-F238E27FC236}">
@@ -3514,13 +3621,28 @@
             <p:ph type="title"/>
           </p:nvPr>
         </p:nvSpPr>
-        <p:spPr/>
-        <p:txBody>
-          <a:bodyPr/>
-          <a:lstStyle/>
-          <a:p>
-            <a:r>
-              <a:rPr lang="en-US" dirty="0"/>
+        <p:spPr>
+          <a:xfrm>
+            <a:off x="526073" y="466578"/>
+            <a:ext cx="11139854" cy="930447"/>
+          </a:xfrm>
+        </p:spPr>
+        <p:txBody>
+          <a:bodyPr vert="horz" lIns="91440" tIns="45720" rIns="91440" bIns="45720" rtlCol="0" anchor="b">
+            <a:normAutofit/>
+          </a:bodyPr>
+          <a:lstStyle/>
+          <a:p>
+            <a:pPr algn="ctr"/>
+            <a:r>
+              <a:rPr lang="en-US" sz="3000" kern="1200">
+                <a:solidFill>
+                  <a:srgbClr val="FFFFFF"/>
+                </a:solidFill>
+                <a:latin typeface="+mj-lt"/>
+                <a:ea typeface="+mj-ea"/>
+                <a:cs typeface="+mj-cs"/>
+              </a:rPr>
               <a:t>What type of goods are being imported to Africa, what goods are being imported</a:t>
             </a:r>
           </a:p>
@@ -3542,18 +3664,123 @@
             <p:ph idx="1"/>
           </p:nvPr>
         </p:nvSpPr>
-        <p:spPr/>
-        <p:txBody>
-          <a:bodyPr/>
-          <a:lstStyle/>
-          <a:p>
-            <a:r>
-              <a:rPr lang="en-US" dirty="0"/>
+        <p:spPr>
+          <a:xfrm>
+            <a:off x="1524000" y="1525638"/>
+            <a:ext cx="9144000" cy="420001"/>
+          </a:xfrm>
+        </p:spPr>
+        <p:txBody>
+          <a:bodyPr vert="horz" lIns="91440" tIns="45720" rIns="91440" bIns="45720" rtlCol="0">
+            <a:normAutofit/>
+          </a:bodyPr>
+          <a:lstStyle/>
+          <a:p>
+            <a:pPr marL="0" indent="0" algn="ctr">
+              <a:buNone/>
+            </a:pPr>
+            <a:r>
+              <a:rPr lang="en-US" sz="1900" kern="1200">
+                <a:solidFill>
+                  <a:srgbClr val="F6BF82"/>
+                </a:solidFill>
+                <a:latin typeface="+mn-lt"/>
+                <a:ea typeface="+mn-ea"/>
+                <a:cs typeface="+mn-cs"/>
+              </a:rPr>
               <a:t>Examine goods, really oil is the connection but also manufactured products, agriculture. </a:t>
             </a:r>
           </a:p>
         </p:txBody>
       </p:sp>
+      <p:cxnSp>
+        <p:nvCxnSpPr>
+          <p:cNvPr id="12" name="Straight Connector 11">
+            <a:extLst>
+              <a:ext uri="{FF2B5EF4-FFF2-40B4-BE49-F238E27FC236}">
+                <a16:creationId xmlns:a16="http://schemas.microsoft.com/office/drawing/2014/main" id="{7E7C77BC-7138-40B1-A15B-20F57A494629}"/>
+              </a:ext>
+              <a:ext uri="{C183D7F6-B498-43B3-948B-1728B52AA6E4}">
+                <adec:decorative xmlns:adec="http://schemas.microsoft.com/office/drawing/2017/decorative" val="1"/>
+              </a:ext>
+            </a:extLst>
+          </p:cNvPr>
+          <p:cNvCxnSpPr>
+            <a:cxnSpLocks noGrp="1" noRot="1" noChangeAspect="1" noMove="1" noResize="1" noEditPoints="1" noAdjustHandles="1" noChangeArrowheads="1" noChangeShapeType="1"/>
+          </p:cNvCxnSpPr>
+          <p:nvPr>
+            <p:extLst>
+              <p:ext uri="{386F3935-93C4-4BCD-93E2-E3B085C9AB24}">
+                <p16:designElem xmlns:p16="http://schemas.microsoft.com/office/powerpoint/2015/main" val="1"/>
+              </p:ext>
+            </p:extLst>
+          </p:nvPr>
+        </p:nvCxnSpPr>
+        <p:spPr>
+          <a:xfrm>
+            <a:off x="2209800" y="1448631"/>
+            <a:ext cx="7772400" cy="0"/>
+          </a:xfrm>
+          <a:prstGeom prst="line">
+            <a:avLst/>
+          </a:prstGeom>
+          <a:ln w="22225">
+            <a:solidFill>
+              <a:srgbClr val="D9D9D9"/>
+            </a:solidFill>
+          </a:ln>
+        </p:spPr>
+        <p:style>
+          <a:lnRef idx="1">
+            <a:schemeClr val="accent1"/>
+          </a:lnRef>
+          <a:fillRef idx="0">
+            <a:schemeClr val="accent1"/>
+          </a:fillRef>
+          <a:effectRef idx="0">
+            <a:schemeClr val="accent1"/>
+          </a:effectRef>
+          <a:fontRef idx="minor">
+            <a:schemeClr val="tx1"/>
+          </a:fontRef>
+        </p:style>
+      </p:cxnSp>
+      <p:pic>
+        <p:nvPicPr>
+          <p:cNvPr id="5" name="Picture 4" descr="A close up of a map&#10;&#10;Description automatically generated">
+            <a:extLst>
+              <a:ext uri="{FF2B5EF4-FFF2-40B4-BE49-F238E27FC236}">
+                <a16:creationId xmlns:a16="http://schemas.microsoft.com/office/drawing/2014/main" id="{E0017128-3A09-43F6-BDCF-0C52E860DA0A}"/>
+              </a:ext>
+            </a:extLst>
+          </p:cNvPr>
+          <p:cNvPicPr>
+            <a:picLocks noChangeAspect="1"/>
+          </p:cNvPicPr>
+          <p:nvPr/>
+        </p:nvPicPr>
+        <p:blipFill>
+          <a:blip r:embed="rId2">
+            <a:extLst>
+              <a:ext uri="{28A0092B-C50C-407E-A947-70E740481C1C}">
+                <a14:useLocalDpi xmlns:a14="http://schemas.microsoft.com/office/drawing/2010/main" val="0"/>
+              </a:ext>
+            </a:extLst>
+          </a:blip>
+          <a:stretch>
+            <a:fillRect/>
+          </a:stretch>
+        </p:blipFill>
+        <p:spPr>
+          <a:xfrm>
+            <a:off x="2383994" y="2509911"/>
+            <a:ext cx="7368912" cy="3997637"/>
+          </a:xfrm>
+          <a:prstGeom prst="rect">
+            <a:avLst/>
+          </a:prstGeom>
+        </p:spPr>
+      </p:pic>
     </p:spTree>
     <p:extLst>
       <p:ext uri="{BB962C8B-B14F-4D97-AF65-F5344CB8AC3E}">
